--- a/Slides/Lesson 10.3 Real State vs Simulated State.pptx
+++ b/Slides/Lesson 10.3 Real State vs Simulated State.pptx
@@ -139,6 +139,9 @@
         </p15:guide>
       </p15:sldGuideLst>
     </p:ext>
+    <p:ext uri="{2D200454-40CA-4A62-9FC3-DE9A4176ACB9}">
+      <p15:notesGuideLst xmlns:p15="http://schemas.microsoft.com/office/powerpoint/2012/main"/>
+    </p:ext>
   </p:extLst>
 </p:presentation>
 </file>
@@ -225,7 +228,7 @@
           <a:p>
             <a:fld id="{584A33CD-551F-40DB-981D-1DE469B6C061}" type="datetimeFigureOut">
               <a:rPr lang="en-US" smtClean="0"/>
-              <a:t>11/8/2015</a:t>
+              <a:t>11/15/2015</a:t>
             </a:fld>
             <a:endParaRPr lang="en-US"/>
           </a:p>
@@ -1018,7 +1021,7 @@
           <a:p>
             <a:fld id="{2F1F79F5-7BEC-496A-AFC7-876E38F64D71}" type="datetime1">
               <a:rPr lang="en-US" smtClean="0"/>
-              <a:t>11/8/2015</a:t>
+              <a:t>11/15/2015</a:t>
             </a:fld>
             <a:endParaRPr lang="en-US"/>
           </a:p>
@@ -1143,7 +1146,7 @@
           <a:p>
             <a:fld id="{2F7B77F5-1464-4F6B-92A8-64FC8A508293}" type="datetime1">
               <a:rPr lang="en-US" smtClean="0"/>
-              <a:t>11/8/2015</a:t>
+              <a:t>11/15/2015</a:t>
             </a:fld>
             <a:endParaRPr lang="en-US"/>
           </a:p>
@@ -1245,7 +1248,7 @@
           <a:p>
             <a:fld id="{0A05703A-7669-4FEA-9056-25299B4D29D4}" type="datetime1">
               <a:rPr lang="en-US" smtClean="0"/>
-              <a:t>11/8/2015</a:t>
+              <a:t>11/15/2015</a:t>
             </a:fld>
             <a:endParaRPr lang="en-US"/>
           </a:p>
@@ -1522,7 +1525,7 @@
           <a:p>
             <a:fld id="{6E5077B5-BB57-49DB-88CA-226A139E5C01}" type="datetime1">
               <a:rPr lang="en-US" smtClean="0"/>
-              <a:t>11/8/2015</a:t>
+              <a:t>11/15/2015</a:t>
             </a:fld>
             <a:endParaRPr lang="en-US"/>
           </a:p>
@@ -1775,7 +1778,7 @@
           <a:p>
             <a:fld id="{C48D9447-CBD6-49A1-89FD-8512A8CF8999}" type="datetime1">
               <a:rPr lang="en-US" smtClean="0"/>
-              <a:t>11/8/2015</a:t>
+              <a:t>11/15/2015</a:t>
             </a:fld>
             <a:endParaRPr lang="en-US"/>
           </a:p>
@@ -1945,7 +1948,7 @@
           <a:p>
             <a:fld id="{A3639A2A-823D-48B7-9ACE-7FAF42870BA9}" type="datetime1">
               <a:rPr lang="en-US" smtClean="0"/>
-              <a:t>11/8/2015</a:t>
+              <a:t>11/15/2015</a:t>
             </a:fld>
             <a:endParaRPr lang="en-US"/>
           </a:p>
@@ -2125,7 +2128,7 @@
           <a:p>
             <a:fld id="{ED1B6996-82E9-463C-972C-7B56056E426C}" type="datetime1">
               <a:rPr lang="en-US" smtClean="0"/>
-              <a:t>11/8/2015</a:t>
+              <a:t>11/15/2015</a:t>
             </a:fld>
             <a:endParaRPr lang="en-US"/>
           </a:p>
@@ -2308,7 +2311,7 @@
           <a:p>
             <a:fld id="{E22ED4DA-448D-4BB1-B935-CC112220207B}" type="datetime1">
               <a:rPr lang="en-US" smtClean="0"/>
-              <a:t>11/8/2015</a:t>
+              <a:t>11/15/2015</a:t>
             </a:fld>
             <a:endParaRPr lang="en-US"/>
           </a:p>
@@ -2490,7 +2493,7 @@
           <a:p>
             <a:fld id="{E22ED4DA-448D-4BB1-B935-CC112220207B}" type="datetime1">
               <a:rPr lang="en-US" smtClean="0"/>
-              <a:t>11/8/2015</a:t>
+              <a:t>11/15/2015</a:t>
             </a:fld>
             <a:endParaRPr lang="en-US"/>
           </a:p>
@@ -2759,7 +2762,7 @@
           <a:p>
             <a:fld id="{FF5D65A6-AB94-4435-B0B7-3743215FA46C}" type="datetime1">
               <a:rPr lang="en-US" smtClean="0"/>
-              <a:t>11/8/2015</a:t>
+              <a:t>11/15/2015</a:t>
             </a:fld>
             <a:endParaRPr lang="en-US"/>
           </a:p>
@@ -3062,7 +3065,7 @@
           <a:p>
             <a:fld id="{5D1846AD-9252-4647-9435-4C2AC365653A}" type="datetime1">
               <a:rPr lang="en-US" smtClean="0"/>
-              <a:t>11/8/2015</a:t>
+              <a:t>11/15/2015</a:t>
             </a:fld>
             <a:endParaRPr lang="en-US"/>
           </a:p>
@@ -3240,7 +3243,7 @@
           <a:p>
             <a:fld id="{FF5D65A6-AB94-4435-B0B7-3743215FA46C}" type="datetime1">
               <a:rPr lang="en-US" smtClean="0"/>
-              <a:t>11/8/2015</a:t>
+              <a:t>11/15/2015</a:t>
             </a:fld>
             <a:endParaRPr lang="en-US"/>
           </a:p>
@@ -3542,7 +3545,7 @@
           <a:p>
             <a:fld id="{7C193DC4-6EF0-48C9-B29C-616106A645E1}" type="datetime1">
               <a:rPr lang="en-US" smtClean="0"/>
-              <a:t>11/8/2015</a:t>
+              <a:t>11/15/2015</a:t>
             </a:fld>
             <a:endParaRPr lang="en-US"/>
           </a:p>
@@ -3830,7 +3833,7 @@
           <a:p>
             <a:fld id="{5D1846AD-9252-4647-9435-4C2AC365653A}" type="datetime1">
               <a:rPr lang="en-US" smtClean="0"/>
-              <a:t>11/8/2015</a:t>
+              <a:t>11/15/2015</a:t>
             </a:fld>
             <a:endParaRPr lang="en-US"/>
           </a:p>
@@ -4252,7 +4255,7 @@
           <a:p>
             <a:fld id="{CE56DC10-3561-4063-A6AF-C1CC7A41040A}" type="datetime1">
               <a:rPr lang="en-US" smtClean="0"/>
-              <a:t>11/8/2015</a:t>
+              <a:t>11/15/2015</a:t>
             </a:fld>
             <a:endParaRPr lang="en-US"/>
           </a:p>
@@ -4477,7 +4480,7 @@
           <a:p>
             <a:fld id="{02B3F677-983B-48DB-ADFD-63FE6CBC7FB2}" type="datetime1">
               <a:rPr lang="en-US" smtClean="0"/>
-              <a:t>11/8/2015</a:t>
+              <a:t>11/15/2015</a:t>
             </a:fld>
             <a:endParaRPr lang="en-US"/>
           </a:p>
@@ -4924,11 +4927,7 @@
           <a:p>
             <a:r>
               <a:rPr lang="en-US" dirty="0" smtClean="0"/>
-              <a:t>Lesson </a:t>
-            </a:r>
-            <a:r>
-              <a:rPr lang="en-US" dirty="0" smtClean="0"/>
-              <a:t>10.3</a:t>
+              <a:t>Lesson 10.3</a:t>
             </a:r>
             <a:endParaRPr lang="en-US" dirty="0"/>
           </a:p>
@@ -5706,41 +5705,19 @@
           <a:p>
             <a:r>
               <a:rPr lang="en-US" dirty="0" smtClean="0"/>
-              <a:t>When the </a:t>
-            </a:r>
-            <a:r>
-              <a:rPr lang="en-US" dirty="0" smtClean="0"/>
-              <a:t>wall changes</a:t>
-            </a:r>
-            <a:r>
-              <a:rPr lang="en-US" dirty="0" smtClean="0"/>
-              <a:t>, all the balls have to see it</a:t>
-            </a:r>
-            <a:r>
-              <a:rPr lang="en-US" dirty="0" smtClean="0"/>
-              <a:t>. </a:t>
-            </a:r>
-            <a:endParaRPr lang="en-US" dirty="0" smtClean="0"/>
-          </a:p>
-          <a:p>
-            <a:r>
-              <a:rPr lang="en-US" dirty="0" smtClean="0"/>
-              <a:t>The balls all have to look at the same </a:t>
-            </a:r>
-            <a:r>
-              <a:rPr lang="en-US" dirty="0" smtClean="0"/>
-              <a:t>wall.</a:t>
-            </a:r>
-            <a:endParaRPr lang="en-US" dirty="0" smtClean="0"/>
-          </a:p>
-          <a:p>
-            <a:r>
-              <a:rPr lang="en-US" dirty="0" smtClean="0"/>
-              <a:t>So let's make the </a:t>
-            </a:r>
-            <a:r>
-              <a:rPr lang="en-US" dirty="0" smtClean="0"/>
-              <a:t>wall </a:t>
+              <a:t>When the wall changes, all the balls have to see it. </a:t>
+            </a:r>
+          </a:p>
+          <a:p>
+            <a:r>
+              <a:rPr lang="en-US" dirty="0" smtClean="0"/>
+              <a:t>The balls all have to look at the same wall.</a:t>
+            </a:r>
+          </a:p>
+          <a:p>
+            <a:r>
+              <a:rPr lang="en-US" dirty="0" smtClean="0"/>
+              <a:t>So let's make the wall </a:t>
             </a:r>
             <a:r>
               <a:rPr lang="en-US" dirty="0" err="1" smtClean="0"/>
@@ -5754,12 +5731,13 @@
           <a:p>
             <a:r>
               <a:rPr lang="en-US" dirty="0" smtClean="0"/>
-              <a:t>In the next lesson, we'll see how to </a:t>
-            </a:r>
-            <a:r>
-              <a:rPr lang="en-US" dirty="0" smtClean="0"/>
-              <a:t>design code that accomplishes.</a:t>
-            </a:r>
+              <a:t>In the next lesson, we'll see how to design code that </a:t>
+            </a:r>
+            <a:r>
+              <a:rPr lang="en-US" smtClean="0"/>
+              <a:t>accomplishes this.</a:t>
+            </a:r>
+            <a:endParaRPr lang="en-US" dirty="0" smtClean="0"/>
           </a:p>
           <a:p>
             <a:pPr lvl="1"/>
@@ -5767,7 +5745,6 @@
               <a:rPr lang="en-US" dirty="0" smtClean="0"/>
               <a:t>Remember, "design" means getting what you know out of your head and onto the page</a:t>
             </a:r>
-            <a:endParaRPr lang="en-US" dirty="0" smtClean="0"/>
           </a:p>
         </p:txBody>
       </p:sp>

--- a/Slides/Lesson 10.3 Real State vs Simulated State.pptx
+++ b/Slides/Lesson 10.3 Real State vs Simulated State.pptx
@@ -228,7 +228,7 @@
           <a:p>
             <a:fld id="{584A33CD-551F-40DB-981D-1DE469B6C061}" type="datetimeFigureOut">
               <a:rPr lang="en-US" smtClean="0"/>
-              <a:t>11/15/2015</a:t>
+              <a:t>11/4/2016</a:t>
             </a:fld>
             <a:endParaRPr lang="en-US"/>
           </a:p>
@@ -292,38 +292,37 @@
           <a:p>
             <a:pPr lvl="0"/>
             <a:r>
-              <a:rPr lang="en-US" smtClean="0"/>
+              <a:rPr lang="en-US"/>
               <a:t>Click to edit Master text styles</a:t>
             </a:r>
           </a:p>
           <a:p>
             <a:pPr lvl="1"/>
             <a:r>
-              <a:rPr lang="en-US" smtClean="0"/>
+              <a:rPr lang="en-US"/>
               <a:t>Second level</a:t>
             </a:r>
           </a:p>
           <a:p>
             <a:pPr lvl="2"/>
             <a:r>
-              <a:rPr lang="en-US" smtClean="0"/>
+              <a:rPr lang="en-US"/>
               <a:t>Third level</a:t>
             </a:r>
           </a:p>
           <a:p>
             <a:pPr lvl="3"/>
             <a:r>
-              <a:rPr lang="en-US" smtClean="0"/>
+              <a:rPr lang="en-US"/>
               <a:t>Fourth level</a:t>
             </a:r>
           </a:p>
           <a:p>
             <a:pPr lvl="4"/>
             <a:r>
-              <a:rPr lang="en-US" smtClean="0"/>
+              <a:rPr lang="en-US"/>
               <a:t>Fifth level</a:t>
             </a:r>
-            <a:endParaRPr lang="en-US"/>
           </a:p>
         </p:txBody>
       </p:sp>
@@ -709,10 +708,9 @@
           <a:lstStyle/>
           <a:p>
             <a:r>
-              <a:rPr lang="en-US" dirty="0" smtClean="0"/>
+              <a:rPr lang="en-US" dirty="0"/>
               <a:t>// must capture this animation!! //</a:t>
             </a:r>
-            <a:endParaRPr lang="en-US" dirty="0"/>
           </a:p>
         </p:txBody>
       </p:sp>
@@ -797,10 +795,9 @@
           <a:lstStyle/>
           <a:p>
             <a:r>
-              <a:rPr lang="en-US" dirty="0" smtClean="0"/>
+              <a:rPr lang="en-US" dirty="0"/>
               <a:t>// must capture this animation!! //</a:t>
             </a:r>
-            <a:endParaRPr lang="en-US" dirty="0"/>
           </a:p>
         </p:txBody>
       </p:sp>
@@ -878,10 +875,9 @@
           <a:lstStyle/>
           <a:p>
             <a:r>
-              <a:rPr lang="en-US" smtClean="0"/>
+              <a:rPr lang="en-US"/>
               <a:t>Click to edit Master title style</a:t>
             </a:r>
-            <a:endParaRPr lang="en-US"/>
           </a:p>
         </p:txBody>
       </p:sp>
@@ -997,10 +993,9 @@
           </a:lstStyle>
           <a:p>
             <a:r>
-              <a:rPr lang="en-US" smtClean="0"/>
+              <a:rPr lang="en-US"/>
               <a:t>Click to edit Master subtitle style</a:t>
             </a:r>
-            <a:endParaRPr lang="en-US"/>
           </a:p>
         </p:txBody>
       </p:sp>
@@ -1021,7 +1016,7 @@
           <a:p>
             <a:fld id="{2F1F79F5-7BEC-496A-AFC7-876E38F64D71}" type="datetime1">
               <a:rPr lang="en-US" smtClean="0"/>
-              <a:t>11/15/2015</a:t>
+              <a:t>11/4/2016</a:t>
             </a:fld>
             <a:endParaRPr lang="en-US"/>
           </a:p>
@@ -1079,13 +1074,6 @@
   <p:clrMapOvr>
     <a:masterClrMapping/>
   </p:clrMapOvr>
-  <p:timing>
-    <p:tnLst>
-      <p:par>
-        <p:cTn id="1" dur="indefinite" restart="never" nodeType="tmRoot"/>
-      </p:par>
-    </p:tnLst>
-  </p:timing>
 </p:sldLayout>
 </file>
 
@@ -1122,10 +1110,9 @@
           <a:lstStyle/>
           <a:p>
             <a:r>
-              <a:rPr lang="en-US" smtClean="0"/>
+              <a:rPr lang="en-US"/>
               <a:t>Click to edit Master title style</a:t>
             </a:r>
-            <a:endParaRPr lang="en-US"/>
           </a:p>
         </p:txBody>
       </p:sp>
@@ -1146,7 +1133,7 @@
           <a:p>
             <a:fld id="{2F7B77F5-1464-4F6B-92A8-64FC8A508293}" type="datetime1">
               <a:rPr lang="en-US" smtClean="0"/>
-              <a:t>11/15/2015</a:t>
+              <a:t>11/4/2016</a:t>
             </a:fld>
             <a:endParaRPr lang="en-US"/>
           </a:p>
@@ -1204,13 +1191,6 @@
   <p:clrMapOvr>
     <a:masterClrMapping/>
   </p:clrMapOvr>
-  <p:timing>
-    <p:tnLst>
-      <p:par>
-        <p:cTn id="1" dur="indefinite" restart="never" nodeType="tmRoot"/>
-      </p:par>
-    </p:tnLst>
-  </p:timing>
 </p:sldLayout>
 </file>
 
@@ -1248,7 +1228,7 @@
           <a:p>
             <a:fld id="{0A05703A-7669-4FEA-9056-25299B4D29D4}" type="datetime1">
               <a:rPr lang="en-US" smtClean="0"/>
-              <a:t>11/15/2015</a:t>
+              <a:t>11/4/2016</a:t>
             </a:fld>
             <a:endParaRPr lang="en-US"/>
           </a:p>
@@ -1351,10 +1331,9 @@
           </a:lstStyle>
           <a:p>
             <a:r>
-              <a:rPr lang="en-US" smtClean="0"/>
+              <a:rPr lang="en-US"/>
               <a:t>Click to edit Master title style</a:t>
             </a:r>
-            <a:endParaRPr lang="en-US"/>
           </a:p>
         </p:txBody>
       </p:sp>
@@ -1408,38 +1387,37 @@
           <a:p>
             <a:pPr lvl="0"/>
             <a:r>
-              <a:rPr lang="en-US" smtClean="0"/>
+              <a:rPr lang="en-US"/>
               <a:t>Click to edit Master text styles</a:t>
             </a:r>
           </a:p>
           <a:p>
             <a:pPr lvl="1"/>
             <a:r>
-              <a:rPr lang="en-US" smtClean="0"/>
+              <a:rPr lang="en-US"/>
               <a:t>Second level</a:t>
             </a:r>
           </a:p>
           <a:p>
             <a:pPr lvl="2"/>
             <a:r>
-              <a:rPr lang="en-US" smtClean="0"/>
+              <a:rPr lang="en-US"/>
               <a:t>Third level</a:t>
             </a:r>
           </a:p>
           <a:p>
             <a:pPr lvl="3"/>
             <a:r>
-              <a:rPr lang="en-US" smtClean="0"/>
+              <a:rPr lang="en-US"/>
               <a:t>Fourth level</a:t>
             </a:r>
           </a:p>
           <a:p>
             <a:pPr lvl="4"/>
             <a:r>
-              <a:rPr lang="en-US" smtClean="0"/>
+              <a:rPr lang="en-US"/>
               <a:t>Fifth level</a:t>
             </a:r>
-            <a:endParaRPr lang="en-US"/>
           </a:p>
         </p:txBody>
       </p:sp>
@@ -1502,7 +1480,7 @@
           <a:p>
             <a:pPr lvl="0"/>
             <a:r>
-              <a:rPr lang="en-US" smtClean="0"/>
+              <a:rPr lang="en-US"/>
               <a:t>Click to edit Master text styles</a:t>
             </a:r>
           </a:p>
@@ -1525,7 +1503,7 @@
           <a:p>
             <a:fld id="{6E5077B5-BB57-49DB-88CA-226A139E5C01}" type="datetime1">
               <a:rPr lang="en-US" smtClean="0"/>
-              <a:t>11/15/2015</a:t>
+              <a:t>11/4/2016</a:t>
             </a:fld>
             <a:endParaRPr lang="en-US"/>
           </a:p>
@@ -1628,10 +1606,9 @@
           </a:lstStyle>
           <a:p>
             <a:r>
-              <a:rPr lang="en-US" smtClean="0"/>
+              <a:rPr lang="en-US"/>
               <a:t>Click to edit Master title style</a:t>
             </a:r>
-            <a:endParaRPr lang="en-US"/>
           </a:p>
         </p:txBody>
       </p:sp>
@@ -1755,7 +1732,7 @@
           <a:p>
             <a:pPr lvl="0"/>
             <a:r>
-              <a:rPr lang="en-US" smtClean="0"/>
+              <a:rPr lang="en-US"/>
               <a:t>Click to edit Master text styles</a:t>
             </a:r>
           </a:p>
@@ -1778,7 +1755,7 @@
           <a:p>
             <a:fld id="{C48D9447-CBD6-49A1-89FD-8512A8CF8999}" type="datetime1">
               <a:rPr lang="en-US" smtClean="0"/>
-              <a:t>11/15/2015</a:t>
+              <a:t>11/4/2016</a:t>
             </a:fld>
             <a:endParaRPr lang="en-US"/>
           </a:p>
@@ -1872,10 +1849,9 @@
           <a:lstStyle/>
           <a:p>
             <a:r>
-              <a:rPr lang="en-US" smtClean="0"/>
+              <a:rPr lang="en-US"/>
               <a:t>Click to edit Master title style</a:t>
             </a:r>
-            <a:endParaRPr lang="en-US"/>
           </a:p>
         </p:txBody>
       </p:sp>
@@ -1896,38 +1872,37 @@
           <a:p>
             <a:pPr lvl="0"/>
             <a:r>
-              <a:rPr lang="en-US" smtClean="0"/>
+              <a:rPr lang="en-US"/>
               <a:t>Click to edit Master text styles</a:t>
             </a:r>
           </a:p>
           <a:p>
             <a:pPr lvl="1"/>
             <a:r>
-              <a:rPr lang="en-US" smtClean="0"/>
+              <a:rPr lang="en-US"/>
               <a:t>Second level</a:t>
             </a:r>
           </a:p>
           <a:p>
             <a:pPr lvl="2"/>
             <a:r>
-              <a:rPr lang="en-US" smtClean="0"/>
+              <a:rPr lang="en-US"/>
               <a:t>Third level</a:t>
             </a:r>
           </a:p>
           <a:p>
             <a:pPr lvl="3"/>
             <a:r>
-              <a:rPr lang="en-US" smtClean="0"/>
+              <a:rPr lang="en-US"/>
               <a:t>Fourth level</a:t>
             </a:r>
           </a:p>
           <a:p>
             <a:pPr lvl="4"/>
             <a:r>
-              <a:rPr lang="en-US" smtClean="0"/>
+              <a:rPr lang="en-US"/>
               <a:t>Fifth level</a:t>
             </a:r>
-            <a:endParaRPr lang="en-US"/>
           </a:p>
         </p:txBody>
       </p:sp>
@@ -1948,7 +1923,7 @@
           <a:p>
             <a:fld id="{A3639A2A-823D-48B7-9ACE-7FAF42870BA9}" type="datetime1">
               <a:rPr lang="en-US" smtClean="0"/>
-              <a:t>11/15/2015</a:t>
+              <a:t>11/4/2016</a:t>
             </a:fld>
             <a:endParaRPr lang="en-US"/>
           </a:p>
@@ -2047,10 +2022,9 @@
           <a:lstStyle/>
           <a:p>
             <a:r>
-              <a:rPr lang="en-US" smtClean="0"/>
+              <a:rPr lang="en-US"/>
               <a:t>Click to edit Master title style</a:t>
             </a:r>
-            <a:endParaRPr lang="en-US"/>
           </a:p>
         </p:txBody>
       </p:sp>
@@ -2076,38 +2050,37 @@
           <a:p>
             <a:pPr lvl="0"/>
             <a:r>
-              <a:rPr lang="en-US" smtClean="0"/>
+              <a:rPr lang="en-US"/>
               <a:t>Click to edit Master text styles</a:t>
             </a:r>
           </a:p>
           <a:p>
             <a:pPr lvl="1"/>
             <a:r>
-              <a:rPr lang="en-US" smtClean="0"/>
+              <a:rPr lang="en-US"/>
               <a:t>Second level</a:t>
             </a:r>
           </a:p>
           <a:p>
             <a:pPr lvl="2"/>
             <a:r>
-              <a:rPr lang="en-US" smtClean="0"/>
+              <a:rPr lang="en-US"/>
               <a:t>Third level</a:t>
             </a:r>
           </a:p>
           <a:p>
             <a:pPr lvl="3"/>
             <a:r>
-              <a:rPr lang="en-US" smtClean="0"/>
+              <a:rPr lang="en-US"/>
               <a:t>Fourth level</a:t>
             </a:r>
           </a:p>
           <a:p>
             <a:pPr lvl="4"/>
             <a:r>
-              <a:rPr lang="en-US" smtClean="0"/>
+              <a:rPr lang="en-US"/>
               <a:t>Fifth level</a:t>
             </a:r>
-            <a:endParaRPr lang="en-US"/>
           </a:p>
         </p:txBody>
       </p:sp>
@@ -2128,7 +2101,7 @@
           <a:p>
             <a:fld id="{ED1B6996-82E9-463C-972C-7B56056E426C}" type="datetime1">
               <a:rPr lang="en-US" smtClean="0"/>
-              <a:t>11/15/2015</a:t>
+              <a:t>11/4/2016</a:t>
             </a:fld>
             <a:endParaRPr lang="en-US"/>
           </a:p>
@@ -2186,13 +2159,6 @@
   <p:clrMapOvr>
     <a:masterClrMapping/>
   </p:clrMapOvr>
-  <p:timing>
-    <p:tnLst>
-      <p:par>
-        <p:cTn id="1" dur="indefinite" restart="never" nodeType="tmRoot"/>
-      </p:par>
-    </p:tnLst>
-  </p:timing>
 </p:sldLayout>
 </file>
 
@@ -2235,10 +2201,9 @@
           <a:lstStyle/>
           <a:p>
             <a:r>
-              <a:rPr lang="en-US" dirty="0" smtClean="0"/>
+              <a:rPr lang="en-US" dirty="0"/>
               <a:t>Click to edit Master title style</a:t>
             </a:r>
-            <a:endParaRPr lang="en-US" dirty="0"/>
           </a:p>
         </p:txBody>
       </p:sp>
@@ -2259,38 +2224,37 @@
           <a:p>
             <a:pPr lvl="0"/>
             <a:r>
-              <a:rPr lang="en-US" smtClean="0"/>
+              <a:rPr lang="en-US"/>
               <a:t>Click to edit Master text styles</a:t>
             </a:r>
           </a:p>
           <a:p>
             <a:pPr lvl="1"/>
             <a:r>
-              <a:rPr lang="en-US" smtClean="0"/>
+              <a:rPr lang="en-US"/>
               <a:t>Second level</a:t>
             </a:r>
           </a:p>
           <a:p>
             <a:pPr lvl="2"/>
             <a:r>
-              <a:rPr lang="en-US" smtClean="0"/>
+              <a:rPr lang="en-US"/>
               <a:t>Third level</a:t>
             </a:r>
           </a:p>
           <a:p>
             <a:pPr lvl="3"/>
             <a:r>
-              <a:rPr lang="en-US" smtClean="0"/>
+              <a:rPr lang="en-US"/>
               <a:t>Fourth level</a:t>
             </a:r>
           </a:p>
           <a:p>
             <a:pPr lvl="4"/>
             <a:r>
-              <a:rPr lang="en-US" smtClean="0"/>
+              <a:rPr lang="en-US"/>
               <a:t>Fifth level</a:t>
             </a:r>
-            <a:endParaRPr lang="en-US"/>
           </a:p>
         </p:txBody>
       </p:sp>
@@ -2311,7 +2275,7 @@
           <a:p>
             <a:fld id="{E22ED4DA-448D-4BB1-B935-CC112220207B}" type="datetime1">
               <a:rPr lang="en-US" smtClean="0"/>
-              <a:t>11/15/2015</a:t>
+              <a:t>11/4/2016</a:t>
             </a:fld>
             <a:endParaRPr lang="en-US"/>
           </a:p>
@@ -2369,13 +2333,6 @@
   <p:clrMapOvr>
     <a:masterClrMapping/>
   </p:clrMapOvr>
-  <p:timing>
-    <p:tnLst>
-      <p:par>
-        <p:cTn id="1" dur="indefinite" restart="never" nodeType="tmRoot"/>
-      </p:par>
-    </p:tnLst>
-  </p:timing>
 </p:sldLayout>
 </file>
 
@@ -2412,10 +2369,9 @@
           <a:lstStyle/>
           <a:p>
             <a:r>
-              <a:rPr lang="en-US" smtClean="0"/>
+              <a:rPr lang="en-US"/>
               <a:t>Click to edit Master title style</a:t>
             </a:r>
-            <a:endParaRPr lang="en-US"/>
           </a:p>
         </p:txBody>
       </p:sp>
@@ -2441,38 +2397,37 @@
           <a:p>
             <a:pPr lvl="0"/>
             <a:r>
-              <a:rPr lang="en-US" dirty="0" smtClean="0"/>
+              <a:rPr lang="en-US" dirty="0"/>
               <a:t>Click to edit Master text styles</a:t>
             </a:r>
           </a:p>
           <a:p>
             <a:pPr lvl="1"/>
             <a:r>
-              <a:rPr lang="en-US" dirty="0" smtClean="0"/>
+              <a:rPr lang="en-US" dirty="0"/>
               <a:t>Second level</a:t>
             </a:r>
           </a:p>
           <a:p>
             <a:pPr lvl="2"/>
             <a:r>
-              <a:rPr lang="en-US" dirty="0" smtClean="0"/>
+              <a:rPr lang="en-US" dirty="0"/>
               <a:t>Third level</a:t>
             </a:r>
           </a:p>
           <a:p>
             <a:pPr lvl="3"/>
             <a:r>
-              <a:rPr lang="en-US" dirty="0" smtClean="0"/>
+              <a:rPr lang="en-US" dirty="0"/>
               <a:t>Fourth level</a:t>
             </a:r>
           </a:p>
           <a:p>
             <a:pPr lvl="4"/>
             <a:r>
-              <a:rPr lang="en-US" dirty="0" smtClean="0"/>
+              <a:rPr lang="en-US" dirty="0"/>
               <a:t>Fifth level</a:t>
             </a:r>
-            <a:endParaRPr lang="en-US" dirty="0"/>
           </a:p>
         </p:txBody>
       </p:sp>
@@ -2493,7 +2448,7 @@
           <a:p>
             <a:fld id="{E22ED4DA-448D-4BB1-B935-CC112220207B}" type="datetime1">
               <a:rPr lang="en-US" smtClean="0"/>
-              <a:t>11/15/2015</a:t>
+              <a:t>11/4/2016</a:t>
             </a:fld>
             <a:endParaRPr lang="en-US"/>
           </a:p>
@@ -2583,7 +2538,7 @@
           <a:lstStyle/>
           <a:p>
             <a:pPr algn="ctr"/>
-            <a:endParaRPr lang="en-US" dirty="0" smtClean="0">
+            <a:endParaRPr lang="en-US" dirty="0">
               <a:solidFill>
                 <a:schemeClr val="tx1"/>
               </a:solidFill>
@@ -2614,11 +2569,11 @@
           <a:lstStyle/>
           <a:p>
             <a:r>
-              <a:rPr lang="en-US" dirty="0" smtClean="0"/>
+              <a:rPr lang="en-US" dirty="0"/>
               <a:t>Resize video to this</a:t>
             </a:r>
             <a:r>
-              <a:rPr lang="en-US" baseline="0" dirty="0" smtClean="0"/>
+              <a:rPr lang="en-US" baseline="0" dirty="0"/>
               <a:t> box.</a:t>
             </a:r>
             <a:endParaRPr lang="en-US" dirty="0"/>
@@ -2635,13 +2590,6 @@
   <p:clrMapOvr>
     <a:masterClrMapping/>
   </p:clrMapOvr>
-  <p:timing>
-    <p:tnLst>
-      <p:par>
-        <p:cTn id="1" dur="indefinite" restart="never" nodeType="tmRoot"/>
-      </p:par>
-    </p:tnLst>
-  </p:timing>
 </p:sldLayout>
 </file>
 
@@ -2678,10 +2626,9 @@
           <a:lstStyle/>
           <a:p>
             <a:r>
-              <a:rPr lang="en-US" smtClean="0"/>
+              <a:rPr lang="en-US"/>
               <a:t>Click to edit Master title style</a:t>
             </a:r>
-            <a:endParaRPr lang="en-US"/>
           </a:p>
         </p:txBody>
       </p:sp>
@@ -2710,38 +2657,37 @@
           <a:p>
             <a:pPr lvl="0"/>
             <a:r>
-              <a:rPr lang="en-US" dirty="0" smtClean="0"/>
+              <a:rPr lang="en-US" dirty="0"/>
               <a:t>Click to edit Master text styles</a:t>
             </a:r>
           </a:p>
           <a:p>
             <a:pPr lvl="1"/>
             <a:r>
-              <a:rPr lang="en-US" dirty="0" smtClean="0"/>
+              <a:rPr lang="en-US" dirty="0"/>
               <a:t>Second level</a:t>
             </a:r>
           </a:p>
           <a:p>
             <a:pPr lvl="2"/>
             <a:r>
-              <a:rPr lang="en-US" dirty="0" smtClean="0"/>
+              <a:rPr lang="en-US" dirty="0"/>
               <a:t>Third level</a:t>
             </a:r>
           </a:p>
           <a:p>
             <a:pPr lvl="3"/>
             <a:r>
-              <a:rPr lang="en-US" dirty="0" smtClean="0"/>
+              <a:rPr lang="en-US" dirty="0"/>
               <a:t>Fourth level</a:t>
             </a:r>
           </a:p>
           <a:p>
             <a:pPr lvl="4"/>
             <a:r>
-              <a:rPr lang="en-US" dirty="0" smtClean="0"/>
+              <a:rPr lang="en-US" dirty="0"/>
               <a:t>Fifth level</a:t>
             </a:r>
-            <a:endParaRPr lang="en-US" dirty="0"/>
           </a:p>
         </p:txBody>
       </p:sp>
@@ -2762,7 +2708,7 @@
           <a:p>
             <a:fld id="{FF5D65A6-AB94-4435-B0B7-3743215FA46C}" type="datetime1">
               <a:rPr lang="en-US" smtClean="0"/>
-              <a:t>11/15/2015</a:t>
+              <a:t>11/4/2016</a:t>
             </a:fld>
             <a:endParaRPr lang="en-US"/>
           </a:p>
@@ -2820,13 +2766,6 @@
   <p:clrMapOvr>
     <a:masterClrMapping/>
   </p:clrMapOvr>
-  <p:timing>
-    <p:tnLst>
-      <p:par>
-        <p:cTn id="1" dur="indefinite" restart="never" nodeType="tmRoot"/>
-      </p:par>
-    </p:tnLst>
-  </p:timing>
 </p:sldLayout>
 </file>
 
@@ -2863,10 +2802,9 @@
           <a:lstStyle/>
           <a:p>
             <a:r>
-              <a:rPr lang="en-US" smtClean="0"/>
+              <a:rPr lang="en-US"/>
               <a:t>Click to edit Master title style</a:t>
             </a:r>
-            <a:endParaRPr lang="en-US"/>
           </a:p>
         </p:txBody>
       </p:sp>
@@ -2924,38 +2862,37 @@
           <a:p>
             <a:pPr lvl="0"/>
             <a:r>
-              <a:rPr lang="en-US" dirty="0" smtClean="0"/>
+              <a:rPr lang="en-US" dirty="0"/>
               <a:t>Click to edit Master text styles</a:t>
             </a:r>
           </a:p>
           <a:p>
             <a:pPr lvl="1"/>
             <a:r>
-              <a:rPr lang="en-US" dirty="0" smtClean="0"/>
+              <a:rPr lang="en-US" dirty="0"/>
               <a:t>Second level</a:t>
             </a:r>
           </a:p>
           <a:p>
             <a:pPr lvl="2"/>
             <a:r>
-              <a:rPr lang="en-US" dirty="0" smtClean="0"/>
+              <a:rPr lang="en-US" dirty="0"/>
               <a:t>Third level</a:t>
             </a:r>
           </a:p>
           <a:p>
             <a:pPr lvl="3"/>
             <a:r>
-              <a:rPr lang="en-US" dirty="0" smtClean="0"/>
+              <a:rPr lang="en-US" dirty="0"/>
               <a:t>Fourth level</a:t>
             </a:r>
           </a:p>
           <a:p>
             <a:pPr lvl="4"/>
             <a:r>
-              <a:rPr lang="en-US" dirty="0" smtClean="0"/>
+              <a:rPr lang="en-US" dirty="0"/>
               <a:t>Fifth level</a:t>
             </a:r>
-            <a:endParaRPr lang="en-US" dirty="0"/>
           </a:p>
         </p:txBody>
       </p:sp>
@@ -3013,38 +2950,37 @@
           <a:p>
             <a:pPr lvl="0"/>
             <a:r>
-              <a:rPr lang="en-US" dirty="0" smtClean="0"/>
+              <a:rPr lang="en-US" dirty="0"/>
               <a:t>Click to edit Master text styles</a:t>
             </a:r>
           </a:p>
           <a:p>
             <a:pPr lvl="1"/>
             <a:r>
-              <a:rPr lang="en-US" dirty="0" smtClean="0"/>
+              <a:rPr lang="en-US" dirty="0"/>
               <a:t>Second level</a:t>
             </a:r>
           </a:p>
           <a:p>
             <a:pPr lvl="2"/>
             <a:r>
-              <a:rPr lang="en-US" dirty="0" smtClean="0"/>
+              <a:rPr lang="en-US" dirty="0"/>
               <a:t>Third level</a:t>
             </a:r>
           </a:p>
           <a:p>
             <a:pPr lvl="3"/>
             <a:r>
-              <a:rPr lang="en-US" dirty="0" smtClean="0"/>
+              <a:rPr lang="en-US" dirty="0"/>
               <a:t>Fourth level</a:t>
             </a:r>
           </a:p>
           <a:p>
             <a:pPr lvl="4"/>
             <a:r>
-              <a:rPr lang="en-US" dirty="0" smtClean="0"/>
+              <a:rPr lang="en-US" dirty="0"/>
               <a:t>Fifth level</a:t>
             </a:r>
-            <a:endParaRPr lang="en-US" dirty="0"/>
           </a:p>
         </p:txBody>
       </p:sp>
@@ -3065,7 +3001,7 @@
           <a:p>
             <a:fld id="{5D1846AD-9252-4647-9435-4C2AC365653A}" type="datetime1">
               <a:rPr lang="en-US" smtClean="0"/>
-              <a:t>11/15/2015</a:t>
+              <a:t>11/4/2016</a:t>
             </a:fld>
             <a:endParaRPr lang="en-US"/>
           </a:p>
@@ -3159,10 +3095,9 @@
           <a:lstStyle/>
           <a:p>
             <a:r>
-              <a:rPr lang="en-US" smtClean="0"/>
+              <a:rPr lang="en-US"/>
               <a:t>Click to edit Master title style</a:t>
             </a:r>
-            <a:endParaRPr lang="en-US"/>
           </a:p>
         </p:txBody>
       </p:sp>
@@ -3191,38 +3126,37 @@
           <a:p>
             <a:pPr lvl="0"/>
             <a:r>
-              <a:rPr lang="en-US" dirty="0" smtClean="0"/>
+              <a:rPr lang="en-US" dirty="0"/>
               <a:t>Click to edit Master text styles</a:t>
             </a:r>
           </a:p>
           <a:p>
             <a:pPr lvl="1"/>
             <a:r>
-              <a:rPr lang="en-US" dirty="0" smtClean="0"/>
+              <a:rPr lang="en-US" dirty="0"/>
               <a:t>Second level</a:t>
             </a:r>
           </a:p>
           <a:p>
             <a:pPr lvl="2"/>
             <a:r>
-              <a:rPr lang="en-US" dirty="0" smtClean="0"/>
+              <a:rPr lang="en-US" dirty="0"/>
               <a:t>Third level</a:t>
             </a:r>
           </a:p>
           <a:p>
             <a:pPr lvl="3"/>
             <a:r>
-              <a:rPr lang="en-US" dirty="0" smtClean="0"/>
+              <a:rPr lang="en-US" dirty="0"/>
               <a:t>Fourth level</a:t>
             </a:r>
           </a:p>
           <a:p>
             <a:pPr lvl="4"/>
             <a:r>
-              <a:rPr lang="en-US" dirty="0" smtClean="0"/>
+              <a:rPr lang="en-US" dirty="0"/>
               <a:t>Fifth level</a:t>
             </a:r>
-            <a:endParaRPr lang="en-US" dirty="0"/>
           </a:p>
         </p:txBody>
       </p:sp>
@@ -3243,7 +3177,7 @@
           <a:p>
             <a:fld id="{FF5D65A6-AB94-4435-B0B7-3743215FA46C}" type="datetime1">
               <a:rPr lang="en-US" smtClean="0"/>
-              <a:t>11/15/2015</a:t>
+              <a:t>11/4/2016</a:t>
             </a:fld>
             <a:endParaRPr lang="en-US"/>
           </a:p>
@@ -3350,13 +3284,6 @@
   <p:clrMapOvr>
     <a:masterClrMapping/>
   </p:clrMapOvr>
-  <p:timing>
-    <p:tnLst>
-      <p:par>
-        <p:cTn id="1" dur="indefinite" restart="never" nodeType="tmRoot"/>
-      </p:par>
-    </p:tnLst>
-  </p:timing>
 </p:sldLayout>
 </file>
 
@@ -3402,10 +3329,9 @@
           </a:lstStyle>
           <a:p>
             <a:r>
-              <a:rPr lang="en-US" smtClean="0"/>
+              <a:rPr lang="en-US"/>
               <a:t>Click to edit Master title style</a:t>
             </a:r>
-            <a:endParaRPr lang="en-US"/>
           </a:p>
         </p:txBody>
       </p:sp>
@@ -3522,7 +3448,7 @@
           <a:p>
             <a:pPr lvl="0"/>
             <a:r>
-              <a:rPr lang="en-US" smtClean="0"/>
+              <a:rPr lang="en-US"/>
               <a:t>Click to edit Master text styles</a:t>
             </a:r>
           </a:p>
@@ -3545,7 +3471,7 @@
           <a:p>
             <a:fld id="{7C193DC4-6EF0-48C9-B29C-616106A645E1}" type="datetime1">
               <a:rPr lang="en-US" smtClean="0"/>
-              <a:t>11/15/2015</a:t>
+              <a:t>11/4/2016</a:t>
             </a:fld>
             <a:endParaRPr lang="en-US"/>
           </a:p>
@@ -3639,10 +3565,9 @@
           <a:lstStyle/>
           <a:p>
             <a:r>
-              <a:rPr lang="en-US" smtClean="0"/>
+              <a:rPr lang="en-US"/>
               <a:t>Click to edit Master title style</a:t>
             </a:r>
-            <a:endParaRPr lang="en-US"/>
           </a:p>
         </p:txBody>
       </p:sp>
@@ -3696,38 +3621,37 @@
           <a:p>
             <a:pPr lvl="0"/>
             <a:r>
-              <a:rPr lang="en-US" smtClean="0"/>
+              <a:rPr lang="en-US"/>
               <a:t>Click to edit Master text styles</a:t>
             </a:r>
           </a:p>
           <a:p>
             <a:pPr lvl="1"/>
             <a:r>
-              <a:rPr lang="en-US" smtClean="0"/>
+              <a:rPr lang="en-US"/>
               <a:t>Second level</a:t>
             </a:r>
           </a:p>
           <a:p>
             <a:pPr lvl="2"/>
             <a:r>
-              <a:rPr lang="en-US" smtClean="0"/>
+              <a:rPr lang="en-US"/>
               <a:t>Third level</a:t>
             </a:r>
           </a:p>
           <a:p>
             <a:pPr lvl="3"/>
             <a:r>
-              <a:rPr lang="en-US" smtClean="0"/>
+              <a:rPr lang="en-US"/>
               <a:t>Fourth level</a:t>
             </a:r>
           </a:p>
           <a:p>
             <a:pPr lvl="4"/>
             <a:r>
-              <a:rPr lang="en-US" smtClean="0"/>
+              <a:rPr lang="en-US"/>
               <a:t>Fifth level</a:t>
             </a:r>
-            <a:endParaRPr lang="en-US"/>
           </a:p>
         </p:txBody>
       </p:sp>
@@ -3781,38 +3705,37 @@
           <a:p>
             <a:pPr lvl="0"/>
             <a:r>
-              <a:rPr lang="en-US" smtClean="0"/>
+              <a:rPr lang="en-US"/>
               <a:t>Click to edit Master text styles</a:t>
             </a:r>
           </a:p>
           <a:p>
             <a:pPr lvl="1"/>
             <a:r>
-              <a:rPr lang="en-US" smtClean="0"/>
+              <a:rPr lang="en-US"/>
               <a:t>Second level</a:t>
             </a:r>
           </a:p>
           <a:p>
             <a:pPr lvl="2"/>
             <a:r>
-              <a:rPr lang="en-US" smtClean="0"/>
+              <a:rPr lang="en-US"/>
               <a:t>Third level</a:t>
             </a:r>
           </a:p>
           <a:p>
             <a:pPr lvl="3"/>
             <a:r>
-              <a:rPr lang="en-US" smtClean="0"/>
+              <a:rPr lang="en-US"/>
               <a:t>Fourth level</a:t>
             </a:r>
           </a:p>
           <a:p>
             <a:pPr lvl="4"/>
             <a:r>
-              <a:rPr lang="en-US" smtClean="0"/>
+              <a:rPr lang="en-US"/>
               <a:t>Fifth level</a:t>
             </a:r>
-            <a:endParaRPr lang="en-US"/>
           </a:p>
         </p:txBody>
       </p:sp>
@@ -3833,7 +3756,7 @@
           <a:p>
             <a:fld id="{5D1846AD-9252-4647-9435-4C2AC365653A}" type="datetime1">
               <a:rPr lang="en-US" smtClean="0"/>
-              <a:t>11/15/2015</a:t>
+              <a:t>11/4/2016</a:t>
             </a:fld>
             <a:endParaRPr lang="en-US"/>
           </a:p>
@@ -3931,10 +3854,9 @@
           </a:lstStyle>
           <a:p>
             <a:r>
-              <a:rPr lang="en-US" smtClean="0"/>
+              <a:rPr lang="en-US"/>
               <a:t>Click to edit Master title style</a:t>
             </a:r>
-            <a:endParaRPr lang="en-US"/>
           </a:p>
         </p:txBody>
       </p:sp>
@@ -3997,7 +3919,7 @@
           <a:p>
             <a:pPr lvl="0"/>
             <a:r>
-              <a:rPr lang="en-US" smtClean="0"/>
+              <a:rPr lang="en-US"/>
               <a:t>Click to edit Master text styles</a:t>
             </a:r>
           </a:p>
@@ -4053,38 +3975,37 @@
           <a:p>
             <a:pPr lvl="0"/>
             <a:r>
-              <a:rPr lang="en-US" smtClean="0"/>
+              <a:rPr lang="en-US"/>
               <a:t>Click to edit Master text styles</a:t>
             </a:r>
           </a:p>
           <a:p>
             <a:pPr lvl="1"/>
             <a:r>
-              <a:rPr lang="en-US" smtClean="0"/>
+              <a:rPr lang="en-US"/>
               <a:t>Second level</a:t>
             </a:r>
           </a:p>
           <a:p>
             <a:pPr lvl="2"/>
             <a:r>
-              <a:rPr lang="en-US" smtClean="0"/>
+              <a:rPr lang="en-US"/>
               <a:t>Third level</a:t>
             </a:r>
           </a:p>
           <a:p>
             <a:pPr lvl="3"/>
             <a:r>
-              <a:rPr lang="en-US" smtClean="0"/>
+              <a:rPr lang="en-US"/>
               <a:t>Fourth level</a:t>
             </a:r>
           </a:p>
           <a:p>
             <a:pPr lvl="4"/>
             <a:r>
-              <a:rPr lang="en-US" smtClean="0"/>
+              <a:rPr lang="en-US"/>
               <a:t>Fifth level</a:t>
             </a:r>
-            <a:endParaRPr lang="en-US"/>
           </a:p>
         </p:txBody>
       </p:sp>
@@ -4147,7 +4068,7 @@
           <a:p>
             <a:pPr lvl="0"/>
             <a:r>
-              <a:rPr lang="en-US" smtClean="0"/>
+              <a:rPr lang="en-US"/>
               <a:t>Click to edit Master text styles</a:t>
             </a:r>
           </a:p>
@@ -4203,38 +4124,37 @@
           <a:p>
             <a:pPr lvl="0"/>
             <a:r>
-              <a:rPr lang="en-US" smtClean="0"/>
+              <a:rPr lang="en-US"/>
               <a:t>Click to edit Master text styles</a:t>
             </a:r>
           </a:p>
           <a:p>
             <a:pPr lvl="1"/>
             <a:r>
-              <a:rPr lang="en-US" smtClean="0"/>
+              <a:rPr lang="en-US"/>
               <a:t>Second level</a:t>
             </a:r>
           </a:p>
           <a:p>
             <a:pPr lvl="2"/>
             <a:r>
-              <a:rPr lang="en-US" smtClean="0"/>
+              <a:rPr lang="en-US"/>
               <a:t>Third level</a:t>
             </a:r>
           </a:p>
           <a:p>
             <a:pPr lvl="3"/>
             <a:r>
-              <a:rPr lang="en-US" smtClean="0"/>
+              <a:rPr lang="en-US"/>
               <a:t>Fourth level</a:t>
             </a:r>
           </a:p>
           <a:p>
             <a:pPr lvl="4"/>
             <a:r>
-              <a:rPr lang="en-US" smtClean="0"/>
+              <a:rPr lang="en-US"/>
               <a:t>Fifth level</a:t>
             </a:r>
-            <a:endParaRPr lang="en-US"/>
           </a:p>
         </p:txBody>
       </p:sp>
@@ -4255,7 +4175,7 @@
           <a:p>
             <a:fld id="{CE56DC10-3561-4063-A6AF-C1CC7A41040A}" type="datetime1">
               <a:rPr lang="en-US" smtClean="0"/>
-              <a:t>11/15/2015</a:t>
+              <a:t>11/4/2016</a:t>
             </a:fld>
             <a:endParaRPr lang="en-US"/>
           </a:p>
@@ -4376,10 +4296,9 @@
           <a:lstStyle/>
           <a:p>
             <a:r>
-              <a:rPr lang="en-US" smtClean="0"/>
+              <a:rPr lang="en-US"/>
               <a:t>Click to edit Master title style</a:t>
             </a:r>
-            <a:endParaRPr lang="en-US"/>
           </a:p>
         </p:txBody>
       </p:sp>
@@ -4410,38 +4329,37 @@
           <a:p>
             <a:pPr lvl="0"/>
             <a:r>
-              <a:rPr lang="en-US" smtClean="0"/>
+              <a:rPr lang="en-US"/>
               <a:t>Click to edit Master text styles</a:t>
             </a:r>
           </a:p>
           <a:p>
             <a:pPr lvl="1"/>
             <a:r>
-              <a:rPr lang="en-US" smtClean="0"/>
+              <a:rPr lang="en-US"/>
               <a:t>Second level</a:t>
             </a:r>
           </a:p>
           <a:p>
             <a:pPr lvl="2"/>
             <a:r>
-              <a:rPr lang="en-US" smtClean="0"/>
+              <a:rPr lang="en-US"/>
               <a:t>Third level</a:t>
             </a:r>
           </a:p>
           <a:p>
             <a:pPr lvl="3"/>
             <a:r>
-              <a:rPr lang="en-US" smtClean="0"/>
+              <a:rPr lang="en-US"/>
               <a:t>Fourth level</a:t>
             </a:r>
           </a:p>
           <a:p>
             <a:pPr lvl="4"/>
             <a:r>
-              <a:rPr lang="en-US" smtClean="0"/>
+              <a:rPr lang="en-US"/>
               <a:t>Fifth level</a:t>
             </a:r>
-            <a:endParaRPr lang="en-US"/>
           </a:p>
         </p:txBody>
       </p:sp>
@@ -4480,7 +4398,7 @@
           <a:p>
             <a:fld id="{02B3F677-983B-48DB-ADFD-63FE6CBC7FB2}" type="datetime1">
               <a:rPr lang="en-US" smtClean="0"/>
-              <a:t>11/15/2015</a:t>
+              <a:t>11/4/2016</a:t>
             </a:fld>
             <a:endParaRPr lang="en-US"/>
           </a:p>
@@ -4589,13 +4507,6 @@
     <p:sldLayoutId id="2147483674" r:id="rId14"/>
     <p:sldLayoutId id="2147483675" r:id="rId15"/>
   </p:sldLayoutIdLst>
-  <p:timing>
-    <p:tnLst>
-      <p:par>
-        <p:cTn id="1" dur="indefinite" restart="never" nodeType="tmRoot"/>
-      </p:par>
-    </p:tnLst>
-  </p:timing>
   <p:hf hdr="0" ftr="0" dt="0"/>
   <p:txStyles>
     <p:titleStyle>
@@ -4883,10 +4794,9 @@
           <a:lstStyle/>
           <a:p>
             <a:r>
-              <a:rPr lang="en-US" dirty="0" smtClean="0"/>
+              <a:rPr lang="en-US" dirty="0"/>
               <a:t>Real State vs. Simulated State</a:t>
             </a:r>
-            <a:endParaRPr lang="en-US" dirty="0"/>
           </a:p>
         </p:txBody>
       </p:sp>
@@ -4906,30 +4816,29 @@
           <a:lstStyle/>
           <a:p>
             <a:r>
-              <a:rPr lang="en-US" dirty="0" smtClean="0"/>
+              <a:rPr lang="en-US" dirty="0"/>
               <a:t>CS 5010 Program Design Paradigms</a:t>
             </a:r>
           </a:p>
           <a:p>
             <a:r>
-              <a:rPr lang="en-US" dirty="0" smtClean="0"/>
+              <a:rPr lang="en-US" dirty="0"/>
               <a:t>"</a:t>
             </a:r>
             <a:r>
-              <a:rPr lang="en-US" dirty="0" err="1" smtClean="0"/>
+              <a:rPr lang="en-US" dirty="0" err="1"/>
               <a:t>Bootcamp</a:t>
             </a:r>
             <a:r>
-              <a:rPr lang="en-US" dirty="0" smtClean="0"/>
+              <a:rPr lang="en-US" dirty="0"/>
               <a:t>"</a:t>
             </a:r>
           </a:p>
           <a:p>
             <a:r>
-              <a:rPr lang="en-US" dirty="0" smtClean="0"/>
+              <a:rPr lang="en-US" dirty="0"/>
               <a:t>Lesson 10.3</a:t>
             </a:r>
-            <a:endParaRPr lang="en-US" dirty="0"/>
           </a:p>
         </p:txBody>
       </p:sp>
@@ -5024,27 +4933,13 @@
             <a:p>
               <a:r>
                 <a:rPr lang="en-US" sz="1000" dirty="0"/>
-                <a:t>© Mitchell Wand, </a:t>
-              </a:r>
-              <a:r>
-                <a:rPr lang="en-US" sz="1000" dirty="0" smtClean="0"/>
-                <a:t>2012-2014</a:t>
+                <a:t>© Mitchell Wand, 2012-2014</a:t>
               </a:r>
             </a:p>
             <a:p>
               <a:r>
-                <a:rPr lang="en-US" sz="1000" dirty="0" smtClean="0"/>
+                <a:rPr lang="en-US" sz="1000" dirty="0"/>
                 <a:t>This work is licensed under a </a:t>
-              </a:r>
-              <a:r>
-                <a:rPr lang="en-US" altLang="en-US" sz="1000" dirty="0" smtClean="0">
-                  <a:solidFill>
-                    <a:srgbClr val="4374B7"/>
-                  </a:solidFill>
-                  <a:latin typeface="Helvetica Neue"/>
-                  <a:hlinkClick r:id="rId4"/>
-                </a:rPr>
-                <a:t>Creative </a:t>
               </a:r>
               <a:r>
                 <a:rPr lang="en-US" altLang="en-US" sz="1000" dirty="0">
@@ -5054,7 +4949,7 @@
                   <a:latin typeface="Helvetica Neue"/>
                   <a:hlinkClick r:id="rId4"/>
                 </a:rPr>
-                <a:t>Commons Attribution-</a:t>
+                <a:t>Creative Commons Attribution-</a:t>
               </a:r>
               <a:r>
                 <a:rPr lang="en-US" altLang="en-US" sz="1000" dirty="0" err="1">
@@ -5077,10 +4972,9 @@
                 <a:t> 4.0 International License</a:t>
               </a:r>
               <a:r>
-                <a:rPr lang="en-US" sz="1000" dirty="0" smtClean="0"/>
+                <a:rPr lang="en-US" sz="1000" dirty="0"/>
                 <a:t>.</a:t>
               </a:r>
-              <a:endParaRPr lang="en-US" sz="1000" dirty="0"/>
             </a:p>
           </p:txBody>
         </p:sp>
@@ -5095,13 +4989,6 @@
   <p:clrMapOvr>
     <a:masterClrMapping/>
   </p:clrMapOvr>
-  <p:timing>
-    <p:tnLst>
-      <p:par>
-        <p:cTn id="1" dur="indefinite" restart="never" nodeType="tmRoot"/>
-      </p:par>
-    </p:tnLst>
-  </p:timing>
 </p:sld>
 </file>
 
@@ -5138,10 +5025,9 @@
           <a:lstStyle/>
           <a:p>
             <a:r>
-              <a:rPr lang="en-US" dirty="0" smtClean="0"/>
+              <a:rPr lang="en-US" dirty="0"/>
               <a:t>States vs. Values</a:t>
             </a:r>
-            <a:endParaRPr lang="en-US" dirty="0"/>
           </a:p>
         </p:txBody>
       </p:sp>
@@ -5161,34 +5047,33 @@
           <a:lstStyle/>
           <a:p>
             <a:r>
-              <a:rPr lang="en-US" dirty="0" err="1" smtClean="0"/>
+              <a:rPr lang="en-US" dirty="0" err="1"/>
               <a:t>TLStates</a:t>
             </a:r>
             <a:r>
-              <a:rPr lang="en-US" dirty="0" smtClean="0"/>
+              <a:rPr lang="en-US" dirty="0"/>
               <a:t> are just values.  They never change.  "red" is always "red".</a:t>
             </a:r>
           </a:p>
           <a:p>
             <a:r>
-              <a:rPr lang="en-US" dirty="0" smtClean="0"/>
+              <a:rPr lang="en-US" dirty="0"/>
               <a:t>The traffic light was an object with stable identity, which had real state: the light could change from one </a:t>
             </a:r>
             <a:r>
-              <a:rPr lang="en-US" dirty="0" err="1" smtClean="0"/>
+              <a:rPr lang="en-US" dirty="0" err="1"/>
               <a:t>TLState</a:t>
             </a:r>
             <a:r>
-              <a:rPr lang="en-US" dirty="0" smtClean="0"/>
+              <a:rPr lang="en-US" dirty="0"/>
               <a:t> to another.</a:t>
             </a:r>
           </a:p>
           <a:p>
             <a:r>
-              <a:rPr lang="en-US" dirty="0" smtClean="0"/>
+              <a:rPr lang="en-US" dirty="0"/>
               <a:t>If two observers are looking at the same object, and the object's state changes, then both observers see the change.</a:t>
             </a:r>
-            <a:endParaRPr lang="en-US" dirty="0"/>
           </a:p>
         </p:txBody>
       </p:sp>
@@ -5225,13 +5110,6 @@
   <p:clrMapOvr>
     <a:masterClrMapping/>
   </p:clrMapOvr>
-  <p:timing>
-    <p:tnLst>
-      <p:par>
-        <p:cTn id="1" dur="indefinite" restart="never" nodeType="tmRoot"/>
-      </p:par>
-    </p:tnLst>
-  </p:timing>
 </p:sld>
 </file>
 
@@ -5268,10 +5146,9 @@
           <a:lstStyle/>
           <a:p>
             <a:r>
-              <a:rPr lang="en-US" dirty="0" smtClean="0"/>
+              <a:rPr lang="en-US" dirty="0"/>
               <a:t>Blackboard metaphor</a:t>
             </a:r>
-            <a:endParaRPr lang="en-US" dirty="0"/>
           </a:p>
         </p:txBody>
       </p:sp>
@@ -5293,44 +5170,44 @@
           <a:lstStyle/>
           <a:p>
             <a:r>
-              <a:rPr lang="en-US" dirty="0" smtClean="0"/>
+              <a:rPr lang="en-US" dirty="0"/>
               <a:t>State is like a blackboard:  when I write on the blackboard, everybody sees it, because you are all looking at the same blackboard.</a:t>
             </a:r>
           </a:p>
           <a:p>
             <a:pPr lvl="1"/>
             <a:r>
-              <a:rPr lang="en-US" dirty="0" smtClean="0"/>
+              <a:rPr lang="en-US" dirty="0"/>
               <a:t>The blackboard has a stable identity!</a:t>
             </a:r>
           </a:p>
           <a:p>
             <a:r>
-              <a:rPr lang="en-US" dirty="0" smtClean="0"/>
+              <a:rPr lang="en-US" dirty="0"/>
               <a:t>With state, I don't care who's in the room.</a:t>
             </a:r>
           </a:p>
           <a:p>
             <a:r>
-              <a:rPr lang="en-US" dirty="0" smtClean="0"/>
+              <a:rPr lang="en-US" dirty="0"/>
               <a:t>I could distribute the changes by sending messages to each of you, but then I'd have to know who I needed to talk to. </a:t>
             </a:r>
           </a:p>
           <a:p>
             <a:pPr lvl="1"/>
             <a:r>
-              <a:rPr lang="en-US" dirty="0" smtClean="0"/>
+              <a:rPr lang="en-US" dirty="0"/>
               <a:t>That's what we do when we pass parameters in our programs!</a:t>
             </a:r>
           </a:p>
           <a:p>
             <a:r>
-              <a:rPr lang="en-US" dirty="0" smtClean="0"/>
+              <a:rPr lang="en-US" dirty="0"/>
               <a:t>Blackboards foster collaboration</a:t>
             </a:r>
           </a:p>
           <a:p>
-            <a:endParaRPr lang="en-US" dirty="0" smtClean="0"/>
+            <a:endParaRPr lang="en-US" dirty="0"/>
           </a:p>
           <a:p>
             <a:endParaRPr lang="en-US" dirty="0"/>
@@ -5370,13 +5247,6 @@
   <p:clrMapOvr>
     <a:masterClrMapping/>
   </p:clrMapOvr>
-  <p:timing>
-    <p:tnLst>
-      <p:par>
-        <p:cTn id="1" dur="indefinite" restart="never" nodeType="tmRoot"/>
-      </p:par>
-    </p:tnLst>
-  </p:timing>
 </p:sld>
 </file>
 
@@ -5413,10 +5283,9 @@
           <a:lstStyle/>
           <a:p>
             <a:r>
-              <a:rPr lang="en-US" dirty="0" smtClean="0"/>
+              <a:rPr lang="en-US" dirty="0"/>
               <a:t>Where is the state?</a:t>
             </a:r>
-            <a:endParaRPr lang="en-US" dirty="0"/>
           </a:p>
         </p:txBody>
       </p:sp>
@@ -5438,30 +5307,30 @@
           <a:lstStyle/>
           <a:p>
             <a:r>
-              <a:rPr lang="en-US" dirty="0" smtClean="0"/>
+              <a:rPr lang="en-US" dirty="0"/>
               <a:t>In World programs, there was just one piece of state– the world– and it was kept inside </a:t>
             </a:r>
             <a:r>
-              <a:rPr lang="en-US" b="1" dirty="0" smtClean="0">
+              <a:rPr lang="en-US" b="1" dirty="0">
                 <a:latin typeface="Consolas" pitchFamily="49" charset="0"/>
                 <a:cs typeface="Consolas" pitchFamily="49" charset="0"/>
               </a:rPr>
               <a:t>big-bang</a:t>
             </a:r>
             <a:r>
-              <a:rPr lang="en-US" dirty="0" smtClean="0"/>
+              <a:rPr lang="en-US" dirty="0"/>
               <a:t>.</a:t>
             </a:r>
           </a:p>
           <a:p>
             <a:r>
-              <a:rPr lang="en-US" dirty="0" smtClean="0"/>
+              <a:rPr lang="en-US" dirty="0"/>
               <a:t>In OO system, each object can have its own state.</a:t>
             </a:r>
           </a:p>
           <a:p>
             <a:r>
-              <a:rPr lang="en-US" dirty="0" smtClean="0"/>
+              <a:rPr lang="en-US" dirty="0"/>
               <a:t>This complicates things</a:t>
             </a:r>
           </a:p>
@@ -5500,13 +5369,6 @@
   <p:clrMapOvr>
     <a:masterClrMapping/>
   </p:clrMapOvr>
-  <p:timing>
-    <p:tnLst>
-      <p:par>
-        <p:cTn id="1" dur="indefinite" restart="never" nodeType="tmRoot"/>
-      </p:par>
-    </p:tnLst>
-  </p:timing>
 </p:sld>
 </file>
 
@@ -5543,10 +5405,9 @@
           <a:lstStyle/>
           <a:p>
             <a:r>
-              <a:rPr lang="en-US" dirty="0" smtClean="0"/>
+              <a:rPr lang="en-US" dirty="0"/>
               <a:t>An object is a little blackboard</a:t>
             </a:r>
-            <a:endParaRPr lang="en-US" dirty="0"/>
           </a:p>
         </p:txBody>
       </p:sp>
@@ -5566,13 +5427,13 @@
           <a:lstStyle/>
           <a:p>
             <a:r>
-              <a:rPr lang="en-US" dirty="0" smtClean="0"/>
+              <a:rPr lang="en-US" dirty="0"/>
               <a:t>Lots of little blackboards!</a:t>
             </a:r>
           </a:p>
           <a:p>
             <a:r>
-              <a:rPr lang="en-US" dirty="0" smtClean="0"/>
+              <a:rPr lang="en-US" dirty="0"/>
               <a:t>Of course you can't just look at a blackboard, you have to ask it questions, like </a:t>
             </a:r>
           </a:p>
@@ -5581,7 +5442,7 @@
               <a:buNone/>
             </a:pPr>
             <a:r>
-              <a:rPr lang="en-US" b="1" dirty="0" smtClean="0">
+              <a:rPr lang="en-US" b="1" dirty="0">
                 <a:latin typeface="Consolas" pitchFamily="49" charset="0"/>
                 <a:cs typeface="Consolas" pitchFamily="49" charset="0"/>
               </a:rPr>
@@ -5590,7 +5451,7 @@
           </a:p>
           <a:p>
             <a:r>
-              <a:rPr lang="en-US" dirty="0" smtClean="0">
+              <a:rPr lang="en-US" dirty="0">
                 <a:cs typeface="Courier New" pitchFamily="49" charset="0"/>
               </a:rPr>
               <a:t>This means we have to worry about patterns of collaboration again.</a:t>
@@ -5634,13 +5495,6 @@
   <p:clrMapOvr>
     <a:masterClrMapping/>
   </p:clrMapOvr>
-  <p:timing>
-    <p:tnLst>
-      <p:par>
-        <p:cTn id="1" dur="indefinite" restart="never" nodeType="tmRoot"/>
-      </p:par>
-    </p:tnLst>
-  </p:timing>
 </p:sld>
 </file>
 
@@ -5679,10 +5533,9 @@
           <a:lstStyle/>
           <a:p>
             <a:r>
-              <a:rPr lang="en-US" dirty="0" smtClean="0"/>
+              <a:rPr lang="en-US" dirty="0"/>
               <a:t>What has to be shared in our example?</a:t>
             </a:r>
-            <a:endParaRPr lang="en-US" dirty="0"/>
           </a:p>
         </p:txBody>
       </p:sp>
@@ -5704,45 +5557,45 @@
           <a:lstStyle/>
           <a:p>
             <a:r>
-              <a:rPr lang="en-US" dirty="0" smtClean="0"/>
+              <a:rPr lang="en-US" dirty="0"/>
               <a:t>When the wall changes, all the balls have to see it. </a:t>
             </a:r>
           </a:p>
           <a:p>
             <a:r>
-              <a:rPr lang="en-US" dirty="0" smtClean="0"/>
+              <a:rPr lang="en-US" dirty="0"/>
               <a:t>The balls all have to look at the same wall.</a:t>
             </a:r>
           </a:p>
           <a:p>
             <a:r>
-              <a:rPr lang="en-US" dirty="0" smtClean="0"/>
+              <a:rPr lang="en-US" dirty="0"/>
               <a:t>So let's make the wall </a:t>
             </a:r>
             <a:r>
-              <a:rPr lang="en-US" dirty="0" err="1" smtClean="0"/>
+              <a:rPr lang="en-US" dirty="0" err="1"/>
               <a:t>stateful</a:t>
             </a:r>
             <a:r>
-              <a:rPr lang="en-US" dirty="0" smtClean="0"/>
+              <a:rPr lang="en-US" dirty="0"/>
               <a:t>.</a:t>
             </a:r>
           </a:p>
           <a:p>
             <a:r>
-              <a:rPr lang="en-US" dirty="0" smtClean="0"/>
+              <a:rPr lang="en-US" dirty="0"/>
               <a:t>In the next lesson, we'll see how to design code that </a:t>
             </a:r>
             <a:r>
-              <a:rPr lang="en-US" smtClean="0"/>
+              <a:rPr lang="en-US"/>
               <a:t>accomplishes this.</a:t>
             </a:r>
-            <a:endParaRPr lang="en-US" dirty="0" smtClean="0"/>
+            <a:endParaRPr lang="en-US" dirty="0"/>
           </a:p>
           <a:p>
             <a:pPr lvl="1"/>
             <a:r>
-              <a:rPr lang="en-US" dirty="0" smtClean="0"/>
+              <a:rPr lang="en-US" dirty="0"/>
               <a:t>Remember, "design" means getting what you know out of your head and onto the page</a:t>
             </a:r>
           </a:p>
@@ -5781,13 +5634,6 @@
   <p:clrMapOvr>
     <a:masterClrMapping/>
   </p:clrMapOvr>
-  <p:timing>
-    <p:tnLst>
-      <p:par>
-        <p:cTn id="1" dur="indefinite" restart="never" nodeType="tmRoot"/>
-      </p:par>
-    </p:tnLst>
-  </p:timing>
 </p:sld>
 </file>
 
@@ -5824,10 +5670,9 @@
           <a:lstStyle/>
           <a:p>
             <a:r>
-              <a:rPr lang="en-US" dirty="0" smtClean="0"/>
+              <a:rPr lang="en-US" dirty="0"/>
               <a:t>Next Steps</a:t>
             </a:r>
-            <a:endParaRPr lang="en-US" dirty="0"/>
           </a:p>
         </p:txBody>
       </p:sp>
@@ -5847,20 +5692,19 @@
           <a:lstStyle/>
           <a:p>
             <a:r>
-              <a:rPr lang="en-US" smtClean="0"/>
+              <a:rPr lang="en-US"/>
               <a:t>If </a:t>
             </a:r>
             <a:r>
-              <a:rPr lang="en-US" dirty="0" smtClean="0"/>
+              <a:rPr lang="en-US" dirty="0"/>
               <a:t>you have questions about this lesson, ask them on the Discussion Board</a:t>
             </a:r>
           </a:p>
           <a:p>
             <a:r>
-              <a:rPr lang="en-US" dirty="0" smtClean="0"/>
+              <a:rPr lang="en-US" dirty="0"/>
               <a:t>Go on to the next lesson</a:t>
             </a:r>
-            <a:endParaRPr lang="en-US" dirty="0"/>
           </a:p>
         </p:txBody>
       </p:sp>
@@ -5897,13 +5741,6 @@
   <p:clrMapOvr>
     <a:masterClrMapping/>
   </p:clrMapOvr>
-  <p:timing>
-    <p:tnLst>
-      <p:par>
-        <p:cTn id="1" dur="indefinite" restart="never" nodeType="tmRoot"/>
-      </p:par>
-    </p:tnLst>
-  </p:timing>
 </p:sld>
 </file>
 
@@ -5940,10 +5777,9 @@
           <a:lstStyle/>
           <a:p>
             <a:r>
-              <a:rPr lang="en-US" dirty="0" smtClean="0"/>
+              <a:rPr lang="en-US" dirty="0"/>
               <a:t>Real State vs. Simulated State</a:t>
             </a:r>
-            <a:endParaRPr lang="en-US" dirty="0"/>
           </a:p>
         </p:txBody>
       </p:sp>
@@ -5963,22 +5799,21 @@
           <a:lstStyle/>
           <a:p>
             <a:r>
-              <a:rPr lang="en-US" dirty="0" smtClean="0"/>
+              <a:rPr lang="en-US" dirty="0"/>
               <a:t>Before, our objects were immutable.  If we needed to construct an object with a different state, we just constructed a new one.</a:t>
             </a:r>
           </a:p>
           <a:p>
             <a:r>
-              <a:rPr lang="en-US" dirty="0" smtClean="0"/>
+              <a:rPr lang="en-US" dirty="0"/>
               <a:t>But we couldn't do that and have objects with stable identities. </a:t>
             </a:r>
           </a:p>
           <a:p>
             <a:r>
-              <a:rPr lang="en-US" dirty="0" smtClean="0"/>
+              <a:rPr lang="en-US" dirty="0"/>
               <a:t>In this lesson, we'll consider the difference between "real state" and "simulated state".</a:t>
             </a:r>
-            <a:endParaRPr lang="en-US" dirty="0"/>
           </a:p>
         </p:txBody>
       </p:sp>
@@ -6015,13 +5850,6 @@
   <p:clrMapOvr>
     <a:masterClrMapping/>
   </p:clrMapOvr>
-  <p:timing>
-    <p:tnLst>
-      <p:par>
-        <p:cTn id="1" dur="indefinite" restart="never" nodeType="tmRoot"/>
-      </p:par>
-    </p:tnLst>
-  </p:timing>
 </p:sld>
 </file>
 
@@ -6058,10 +5886,9 @@
           <a:lstStyle/>
           <a:p>
             <a:r>
-              <a:rPr lang="en-US" dirty="0" smtClean="0"/>
+              <a:rPr lang="en-US" dirty="0"/>
               <a:t>Let's think about traffic lights</a:t>
             </a:r>
-            <a:endParaRPr lang="en-US" dirty="0"/>
           </a:p>
         </p:txBody>
       </p:sp>
@@ -6083,53 +5910,53 @@
           <a:lstStyle/>
           <a:p>
             <a:r>
-              <a:rPr lang="en-US" dirty="0" err="1" smtClean="0"/>
+              <a:rPr lang="en-US" dirty="0" err="1"/>
               <a:t>nextstate</a:t>
             </a:r>
             <a:r>
-              <a:rPr lang="en-US" dirty="0" smtClean="0"/>
+              <a:rPr lang="en-US" dirty="0"/>
               <a:t> : </a:t>
             </a:r>
             <a:r>
-              <a:rPr lang="en-US" dirty="0" err="1" smtClean="0"/>
+              <a:rPr lang="en-US" dirty="0" err="1"/>
               <a:t>TLState</a:t>
             </a:r>
             <a:r>
-              <a:rPr lang="en-US" dirty="0" smtClean="0"/>
+              <a:rPr lang="en-US" dirty="0"/>
               <a:t> </a:t>
             </a:r>
             <a:r>
-              <a:rPr lang="en-US" dirty="0" smtClean="0">
+              <a:rPr lang="en-US" dirty="0">
                 <a:sym typeface="Wingdings" pitchFamily="2" charset="2"/>
               </a:rPr>
               <a:t> </a:t>
             </a:r>
             <a:r>
-              <a:rPr lang="en-US" dirty="0" err="1" smtClean="0">
+              <a:rPr lang="en-US" dirty="0" err="1">
                 <a:sym typeface="Wingdings" pitchFamily="2" charset="2"/>
               </a:rPr>
               <a:t>TLState</a:t>
             </a:r>
-            <a:endParaRPr lang="en-US" dirty="0" smtClean="0">
+            <a:endParaRPr lang="en-US" dirty="0">
               <a:sym typeface="Wingdings" pitchFamily="2" charset="2"/>
             </a:endParaRPr>
           </a:p>
           <a:p>
             <a:pPr lvl="1"/>
             <a:r>
-              <a:rPr lang="en-US" dirty="0" smtClean="0">
+              <a:rPr lang="en-US" dirty="0">
                 <a:sym typeface="Wingdings" pitchFamily="2" charset="2"/>
               </a:rPr>
               <a:t>If the traffic light were in state </a:t>
             </a:r>
             <a:r>
-              <a:rPr lang="en-US" b="1" dirty="0" smtClean="0">
+              <a:rPr lang="en-US" b="1" dirty="0">
                 <a:sym typeface="Wingdings" pitchFamily="2" charset="2"/>
               </a:rPr>
               <a:t>s</a:t>
             </a:r>
             <a:r>
-              <a:rPr lang="en-US" dirty="0" smtClean="0">
+              <a:rPr lang="en-US" dirty="0">
                 <a:sym typeface="Wingdings" pitchFamily="2" charset="2"/>
               </a:rPr>
               <a:t>, what state should it be in next?</a:t>
@@ -6137,13 +5964,13 @@
           </a:p>
           <a:p>
             <a:r>
-              <a:rPr lang="en-US" dirty="0" smtClean="0">
+              <a:rPr lang="en-US" dirty="0">
                 <a:sym typeface="Wingdings" pitchFamily="2" charset="2"/>
               </a:rPr>
               <a:t>This is a </a:t>
             </a:r>
             <a:r>
-              <a:rPr lang="en-US" i="1" dirty="0" smtClean="0">
+              <a:rPr lang="en-US" i="1" dirty="0">
                 <a:solidFill>
                   <a:srgbClr val="FF0000"/>
                 </a:solidFill>
@@ -6152,7 +5979,7 @@
               <a:t>specification</a:t>
             </a:r>
             <a:r>
-              <a:rPr lang="en-US" dirty="0" smtClean="0">
+              <a:rPr lang="en-US" dirty="0">
                 <a:sym typeface="Wingdings" pitchFamily="2" charset="2"/>
               </a:rPr>
               <a:t> of how a traffic light should behave.</a:t>
@@ -6160,7 +5987,7 @@
           </a:p>
           <a:p>
             <a:r>
-              <a:rPr lang="en-US" dirty="0" smtClean="0">
+              <a:rPr lang="en-US" dirty="0">
                 <a:sym typeface="Wingdings" pitchFamily="2" charset="2"/>
               </a:rPr>
               <a:t>This is simulated state: a mathematical function</a:t>
@@ -6168,13 +5995,13 @@
           </a:p>
           <a:p>
             <a:r>
-              <a:rPr lang="en-US" dirty="0" smtClean="0">
+              <a:rPr lang="en-US" dirty="0">
                 <a:sym typeface="Wingdings" pitchFamily="2" charset="2"/>
               </a:rPr>
               <a:t>Real state: </a:t>
             </a:r>
             <a:r>
-              <a:rPr lang="en-US" i="1" dirty="0" smtClean="0">
+              <a:rPr lang="en-US" i="1" dirty="0">
                 <a:solidFill>
                   <a:schemeClr val="accent1"/>
                 </a:solidFill>
@@ -6223,13 +6050,6 @@
   <p:clrMapOvr>
     <a:masterClrMapping/>
   </p:clrMapOvr>
-  <p:timing>
-    <p:tnLst>
-      <p:par>
-        <p:cTn id="1" dur="indefinite" restart="never" nodeType="tmRoot"/>
-      </p:par>
-    </p:tnLst>
-  </p:timing>
 </p:sld>
 </file>
 
@@ -6266,10 +6086,9 @@
           <a:lstStyle/>
           <a:p>
             <a:r>
-              <a:rPr lang="en-US" dirty="0" smtClean="0"/>
+              <a:rPr lang="en-US" dirty="0"/>
               <a:t>Similarly for on-tick</a:t>
             </a:r>
-            <a:endParaRPr lang="en-US" dirty="0"/>
           </a:p>
         </p:txBody>
       </p:sp>
@@ -6291,53 +6110,36 @@
           <a:lstStyle/>
           <a:p>
             <a:r>
-              <a:rPr lang="en-US" b="1" dirty="0" smtClean="0"/>
+              <a:rPr lang="en-US" b="1" dirty="0"/>
               <a:t>on-tick</a:t>
             </a:r>
             <a:r>
-              <a:rPr lang="en-US" dirty="0" smtClean="0"/>
-              <a:t> : </a:t>
-            </a:r>
-            <a:r>
-              <a:rPr lang="en-US" dirty="0" err="1" smtClean="0"/>
-              <a:t>WorldState</a:t>
-            </a:r>
-            <a:r>
-              <a:rPr lang="en-US" dirty="0" smtClean="0"/>
-              <a:t> </a:t>
-            </a:r>
-            <a:r>
-              <a:rPr lang="en-US" dirty="0" smtClean="0">
+              <a:rPr lang="en-US" dirty="0"/>
+              <a:t> : World </a:t>
+            </a:r>
+            <a:r>
+              <a:rPr lang="en-US" dirty="0">
                 <a:sym typeface="Wingdings" pitchFamily="2" charset="2"/>
               </a:rPr>
-              <a:t> </a:t>
-            </a:r>
-            <a:r>
-              <a:rPr lang="en-US" dirty="0" err="1" smtClean="0">
-                <a:sym typeface="Wingdings" pitchFamily="2" charset="2"/>
-              </a:rPr>
-              <a:t>WorldState</a:t>
-            </a:r>
-            <a:endParaRPr lang="en-US" dirty="0" smtClean="0">
-              <a:sym typeface="Wingdings" pitchFamily="2" charset="2"/>
-            </a:endParaRPr>
+              <a:t> World</a:t>
+            </a:r>
           </a:p>
           <a:p>
             <a:pPr lvl="1"/>
             <a:r>
-              <a:rPr lang="en-US" dirty="0" smtClean="0">
+              <a:rPr lang="en-US" dirty="0">
                 <a:sym typeface="Wingdings" pitchFamily="2" charset="2"/>
               </a:rPr>
               <a:t>If the world is in state </a:t>
             </a:r>
             <a:r>
-              <a:rPr lang="en-US" b="1" dirty="0" smtClean="0">
+              <a:rPr lang="en-US" b="1" dirty="0">
                 <a:sym typeface="Wingdings" pitchFamily="2" charset="2"/>
               </a:rPr>
-              <a:t>s</a:t>
-            </a:r>
-            <a:r>
-              <a:rPr lang="en-US" dirty="0" smtClean="0">
+              <a:t>w</a:t>
+            </a:r>
+            <a:r>
+              <a:rPr lang="en-US" dirty="0">
                 <a:sym typeface="Wingdings" pitchFamily="2" charset="2"/>
               </a:rPr>
               <a:t>, what state should it be in after the next tick?</a:t>
@@ -6345,15 +6147,27 @@
           </a:p>
           <a:p>
             <a:r>
-              <a:rPr lang="en-US" dirty="0" smtClean="0">
+              <a:rPr lang="en-US" dirty="0">
                 <a:sym typeface="Wingdings" pitchFamily="2" charset="2"/>
               </a:rPr>
-              <a:t>This is a specification of the desired behavior of the world.  </a:t>
-            </a:r>
-          </a:p>
-          <a:p>
-            <a:r>
-              <a:rPr lang="en-US" dirty="0" smtClean="0">
+              <a:t>This is a </a:t>
+            </a:r>
+            <a:r>
+              <a:rPr lang="en-US" i="1" dirty="0">
+                <a:sym typeface="Wingdings" pitchFamily="2" charset="2"/>
+              </a:rPr>
+              <a:t>specification</a:t>
+            </a:r>
+            <a:r>
+              <a:rPr lang="en-US" dirty="0">
+                <a:sym typeface="Wingdings" pitchFamily="2" charset="2"/>
+              </a:rPr>
+              <a:t> of the desired behavior of the world.  </a:t>
+            </a:r>
+          </a:p>
+          <a:p>
+            <a:r>
+              <a:rPr lang="en-US" dirty="0">
                 <a:sym typeface="Wingdings" pitchFamily="2" charset="2"/>
               </a:rPr>
               <a:t>It's just a mathematical function.</a:t>
@@ -6361,7 +6175,7 @@
           </a:p>
           <a:p>
             <a:r>
-              <a:rPr lang="en-US" b="1" dirty="0" smtClean="0">
+              <a:rPr lang="en-US" b="1" dirty="0">
                 <a:latin typeface="Consolas" pitchFamily="49" charset="0"/>
                 <a:cs typeface="Consolas" pitchFamily="49" charset="0"/>
                 <a:sym typeface="Wingdings" pitchFamily="2" charset="2"/>
@@ -6369,7 +6183,7 @@
               <a:t>big-bang</a:t>
             </a:r>
             <a:r>
-              <a:rPr lang="en-US" dirty="0" smtClean="0">
+              <a:rPr lang="en-US" dirty="0">
                 <a:sym typeface="Wingdings" pitchFamily="2" charset="2"/>
               </a:rPr>
               <a:t> takes these functions and constructs a world that really behaves that way.</a:t>
@@ -6411,13 +6225,6 @@
   <p:clrMapOvr>
     <a:masterClrMapping/>
   </p:clrMapOvr>
-  <p:timing>
-    <p:tnLst>
-      <p:par>
-        <p:cTn id="1" dur="indefinite" restart="never" nodeType="tmRoot"/>
-      </p:par>
-    </p:tnLst>
-  </p:timing>
 </p:sld>
 </file>
 
@@ -6454,10 +6261,9 @@
           <a:lstStyle/>
           <a:p>
             <a:r>
-              <a:rPr lang="en-US" dirty="0" smtClean="0"/>
+              <a:rPr lang="en-US" dirty="0"/>
               <a:t>Real state is about sharing</a:t>
             </a:r>
-            <a:endParaRPr lang="en-US" dirty="0"/>
           </a:p>
         </p:txBody>
       </p:sp>
@@ -6479,53 +6285,53 @@
           <a:lstStyle/>
           <a:p>
             <a:r>
-              <a:rPr lang="en-US" dirty="0" smtClean="0"/>
+              <a:rPr lang="en-US" dirty="0"/>
               <a:t>How can you tell the difference between a traffic light and a </a:t>
             </a:r>
             <a:r>
-              <a:rPr lang="en-US" dirty="0" err="1" smtClean="0"/>
+              <a:rPr lang="en-US" dirty="0" err="1"/>
               <a:t>TLState</a:t>
             </a:r>
             <a:r>
-              <a:rPr lang="en-US" dirty="0" smtClean="0"/>
+              <a:rPr lang="en-US" dirty="0"/>
               <a:t>?</a:t>
             </a:r>
           </a:p>
           <a:p>
             <a:r>
-              <a:rPr lang="en-US" dirty="0" err="1" smtClean="0"/>
+              <a:rPr lang="en-US" dirty="0" err="1"/>
               <a:t>Ans</a:t>
             </a:r>
             <a:r>
-              <a:rPr lang="en-US" dirty="0" smtClean="0"/>
+              <a:rPr lang="en-US" dirty="0"/>
               <a:t>: everybody sees the </a:t>
             </a:r>
             <a:r>
-              <a:rPr lang="en-US" i="1" dirty="0" smtClean="0"/>
+              <a:rPr lang="en-US" i="1" dirty="0"/>
               <a:t>same</a:t>
             </a:r>
             <a:r>
-              <a:rPr lang="en-US" dirty="0" smtClean="0"/>
+              <a:rPr lang="en-US" dirty="0"/>
               <a:t> traffic light.</a:t>
             </a:r>
           </a:p>
           <a:p>
             <a:r>
-              <a:rPr lang="en-US" dirty="0" smtClean="0"/>
+              <a:rPr lang="en-US" dirty="0"/>
               <a:t>The traffic light has a </a:t>
             </a:r>
             <a:r>
-              <a:rPr lang="en-US" i="1" dirty="0" smtClean="0"/>
+              <a:rPr lang="en-US" i="1" dirty="0"/>
               <a:t>stable identity</a:t>
             </a:r>
             <a:r>
-              <a:rPr lang="en-US" dirty="0" smtClean="0"/>
+              <a:rPr lang="en-US" dirty="0"/>
               <a:t>.</a:t>
             </a:r>
           </a:p>
           <a:p>
             <a:r>
-              <a:rPr lang="en-US" dirty="0" smtClean="0"/>
+              <a:rPr lang="en-US" dirty="0"/>
               <a:t>If its state changes everybody sees it.</a:t>
             </a:r>
           </a:p>
@@ -6564,13 +6370,6 @@
   <p:clrMapOvr>
     <a:masterClrMapping/>
   </p:clrMapOvr>
-  <p:timing>
-    <p:tnLst>
-      <p:par>
-        <p:cTn id="1" dur="indefinite" restart="never" nodeType="tmRoot"/>
-      </p:par>
-    </p:tnLst>
-  </p:timing>
 </p:sld>
 </file>
 
@@ -6666,10 +6465,9 @@
           <a:lstStyle/>
           <a:p>
             <a:r>
-              <a:rPr lang="en-US" sz="2000" dirty="0" smtClean="0"/>
+              <a:rPr lang="en-US" sz="2000" dirty="0"/>
               <a:t>Are they seeing the traffic light or a model of the traffic light?</a:t>
             </a:r>
-            <a:endParaRPr lang="en-US" sz="2000" dirty="0"/>
           </a:p>
         </p:txBody>
       </p:sp>
@@ -6810,13 +6608,6 @@
   <p:clrMapOvr>
     <a:masterClrMapping/>
   </p:clrMapOvr>
-  <p:timing>
-    <p:tnLst>
-      <p:par>
-        <p:cTn id="1" dur="indefinite" restart="never" nodeType="tmRoot"/>
-      </p:par>
-    </p:tnLst>
-  </p:timing>
 </p:sld>
 </file>
 
@@ -6910,10 +6701,9 @@
           <a:lstStyle/>
           <a:p>
             <a:r>
-              <a:rPr lang="en-US" sz="2000" dirty="0" smtClean="0"/>
+              <a:rPr lang="en-US" sz="2000" dirty="0"/>
               <a:t>Are they seeing the traffic light or a model of the traffic light?</a:t>
             </a:r>
-            <a:endParaRPr lang="en-US" sz="2000" dirty="0"/>
           </a:p>
         </p:txBody>
       </p:sp>
@@ -7054,13 +6844,6 @@
   <p:clrMapOvr>
     <a:masterClrMapping/>
   </p:clrMapOvr>
-  <p:timing>
-    <p:tnLst>
-      <p:par>
-        <p:cTn id="1" dur="indefinite" restart="never" nodeType="tmRoot"/>
-      </p:par>
-    </p:tnLst>
-  </p:timing>
 </p:sld>
 </file>
 
@@ -7154,10 +6937,9 @@
           <a:lstStyle/>
           <a:p>
             <a:r>
-              <a:rPr lang="en-US" sz="2000" dirty="0" smtClean="0"/>
+              <a:rPr lang="en-US" sz="2000" dirty="0"/>
               <a:t>Are they seeing the traffic light or a model of the traffic light?</a:t>
             </a:r>
-            <a:endParaRPr lang="en-US" sz="2000" dirty="0"/>
           </a:p>
         </p:txBody>
       </p:sp>
@@ -7288,18 +7070,13 @@
           <a:lstStyle/>
           <a:p>
             <a:r>
-              <a:rPr lang="en-US" sz="4000" i="1" dirty="0" smtClean="0">
+              <a:rPr lang="en-US" sz="4000" i="1" dirty="0">
                 <a:solidFill>
                   <a:srgbClr val="FF0000"/>
                 </a:solidFill>
               </a:rPr>
               <a:t>Now we know!</a:t>
             </a:r>
-            <a:endParaRPr lang="en-US" sz="4000" i="1" dirty="0">
-              <a:solidFill>
-                <a:srgbClr val="FF0000"/>
-              </a:solidFill>
-            </a:endParaRPr>
           </a:p>
         </p:txBody>
       </p:sp>
@@ -7538,10 +7315,9 @@
           <a:lstStyle/>
           <a:p>
             <a:r>
-              <a:rPr lang="en-US" dirty="0" smtClean="0"/>
+              <a:rPr lang="en-US" dirty="0"/>
               <a:t>What just happened?</a:t>
             </a:r>
-            <a:endParaRPr lang="en-US" dirty="0"/>
           </a:p>
         </p:txBody>
       </p:sp>
@@ -7561,16 +7337,15 @@
           <a:lstStyle/>
           <a:p>
             <a:r>
-              <a:rPr lang="en-US" dirty="0" smtClean="0"/>
+              <a:rPr lang="en-US" dirty="0"/>
               <a:t>The people who were looking at the real traffic light saw it change to green.</a:t>
             </a:r>
           </a:p>
           <a:p>
             <a:r>
-              <a:rPr lang="en-US" dirty="0" smtClean="0"/>
+              <a:rPr lang="en-US" dirty="0"/>
               <a:t>The people who were looking at the simulated traffic light (in their newspapers) didn't see the change.</a:t>
             </a:r>
-            <a:endParaRPr lang="en-US" dirty="0"/>
           </a:p>
         </p:txBody>
       </p:sp>
@@ -7607,13 +7382,6 @@
   <p:clrMapOvr>
     <a:masterClrMapping/>
   </p:clrMapOvr>
-  <p:timing>
-    <p:tnLst>
-      <p:par>
-        <p:cTn id="1" dur="indefinite" restart="never" nodeType="tmRoot"/>
-      </p:par>
-    </p:tnLst>
-  </p:timing>
 </p:sld>
 </file>
 
